--- a/01-Project-management/presentation/KnowledgeDistillation.pptx
+++ b/01-Project-management/presentation/KnowledgeDistillation.pptx
@@ -209,7 +209,7 @@
           <a:p>
             <a:fld id="{B5F2714E-FC32-4294-838A-7AA012D11B30}" type="datetimeFigureOut">
               <a:rPr lang="en-US" smtClean="0"/>
-              <a:t>5/18/2025</a:t>
+              <a:t>5/19/2025</a:t>
             </a:fld>
             <a:endParaRPr lang="en-US"/>
           </a:p>
@@ -707,7 +707,7 @@
           <a:p>
             <a:fld id="{A043E7FB-59A9-40D8-AE84-673056C5A732}" type="datetimeFigureOut">
               <a:rPr lang="en-US" smtClean="0"/>
-              <a:t>5/18/2025</a:t>
+              <a:t>5/19/2025</a:t>
             </a:fld>
             <a:endParaRPr lang="en-US"/>
           </a:p>
@@ -905,7 +905,7 @@
           <a:p>
             <a:fld id="{A043E7FB-59A9-40D8-AE84-673056C5A732}" type="datetimeFigureOut">
               <a:rPr lang="en-US" smtClean="0"/>
-              <a:t>5/18/2025</a:t>
+              <a:t>5/19/2025</a:t>
             </a:fld>
             <a:endParaRPr lang="en-US"/>
           </a:p>
@@ -1113,7 +1113,7 @@
           <a:p>
             <a:fld id="{A043E7FB-59A9-40D8-AE84-673056C5A732}" type="datetimeFigureOut">
               <a:rPr lang="en-US" smtClean="0"/>
-              <a:t>5/18/2025</a:t>
+              <a:t>5/19/2025</a:t>
             </a:fld>
             <a:endParaRPr lang="en-US"/>
           </a:p>
@@ -3262,7 +3262,7 @@
           <a:p>
             <a:fld id="{A043E7FB-59A9-40D8-AE84-673056C5A732}" type="datetimeFigureOut">
               <a:rPr lang="en-US" smtClean="0"/>
-              <a:t>5/18/2025</a:t>
+              <a:t>5/19/2025</a:t>
             </a:fld>
             <a:endParaRPr lang="en-US"/>
           </a:p>
@@ -4619,7 +4619,7 @@
           <a:p>
             <a:fld id="{A043E7FB-59A9-40D8-AE84-673056C5A732}" type="datetimeFigureOut">
               <a:rPr lang="en-US" smtClean="0"/>
-              <a:t>5/18/2025</a:t>
+              <a:t>5/19/2025</a:t>
             </a:fld>
             <a:endParaRPr lang="en-US"/>
           </a:p>
@@ -4884,7 +4884,7 @@
           <a:p>
             <a:fld id="{A043E7FB-59A9-40D8-AE84-673056C5A732}" type="datetimeFigureOut">
               <a:rPr lang="en-US" smtClean="0"/>
-              <a:t>5/18/2025</a:t>
+              <a:t>5/19/2025</a:t>
             </a:fld>
             <a:endParaRPr lang="en-US"/>
           </a:p>
@@ -5296,7 +5296,7 @@
           <a:p>
             <a:fld id="{A043E7FB-59A9-40D8-AE84-673056C5A732}" type="datetimeFigureOut">
               <a:rPr lang="en-US" smtClean="0"/>
-              <a:t>5/18/2025</a:t>
+              <a:t>5/19/2025</a:t>
             </a:fld>
             <a:endParaRPr lang="en-US"/>
           </a:p>
@@ -5437,7 +5437,7 @@
           <a:p>
             <a:fld id="{A043E7FB-59A9-40D8-AE84-673056C5A732}" type="datetimeFigureOut">
               <a:rPr lang="en-US" smtClean="0"/>
-              <a:t>5/18/2025</a:t>
+              <a:t>5/19/2025</a:t>
             </a:fld>
             <a:endParaRPr lang="en-US"/>
           </a:p>
@@ -5550,7 +5550,7 @@
           <a:p>
             <a:fld id="{A043E7FB-59A9-40D8-AE84-673056C5A732}" type="datetimeFigureOut">
               <a:rPr lang="en-US" smtClean="0"/>
-              <a:t>5/18/2025</a:t>
+              <a:t>5/19/2025</a:t>
             </a:fld>
             <a:endParaRPr lang="en-US"/>
           </a:p>
@@ -5861,7 +5861,7 @@
           <a:p>
             <a:fld id="{A043E7FB-59A9-40D8-AE84-673056C5A732}" type="datetimeFigureOut">
               <a:rPr lang="en-US" smtClean="0"/>
-              <a:t>5/18/2025</a:t>
+              <a:t>5/19/2025</a:t>
             </a:fld>
             <a:endParaRPr lang="en-US"/>
           </a:p>
@@ -6149,7 +6149,7 @@
           <a:p>
             <a:fld id="{A043E7FB-59A9-40D8-AE84-673056C5A732}" type="datetimeFigureOut">
               <a:rPr lang="en-US" smtClean="0"/>
-              <a:t>5/18/2025</a:t>
+              <a:t>5/19/2025</a:t>
             </a:fld>
             <a:endParaRPr lang="en-US"/>
           </a:p>
@@ -6390,7 +6390,7 @@
           <a:p>
             <a:fld id="{A043E7FB-59A9-40D8-AE84-673056C5A732}" type="datetimeFigureOut">
               <a:rPr lang="en-US" smtClean="0"/>
-              <a:t>5/18/2025</a:t>
+              <a:t>5/19/2025</a:t>
             </a:fld>
             <a:endParaRPr lang="en-US"/>
           </a:p>
